--- a/themes/dark.pptx
+++ b/themes/dark.pptx
@@ -197,7 +197,15 @@
             <p:ph type="sldNum" sz="quarter" idx="12"/>
           </p:nvPr>
         </p:nvSpPr>
-        <p:spPr/>
+        <p:spPr>
+          <a:xfrm>
+            <a:off x="10514011" y="5883275"/>
+            <a:ext cx="753545" cy="365125"/>
+          </a:xfrm>
+          <a:prstGeom prst="rect">
+            <a:avLst/>
+          </a:prstGeom>
+        </p:spPr>
         <p:txBody>
           <a:bodyPr/>
           <a:lstStyle/>
@@ -292,7 +300,15 @@
             <p:ph type="sldNum" sz="quarter" idx="12"/>
           </p:nvPr>
         </p:nvSpPr>
-        <p:spPr/>
+        <p:spPr>
+          <a:xfrm>
+            <a:off x="10514011" y="5883275"/>
+            <a:ext cx="753545" cy="365125"/>
+          </a:xfrm>
+          <a:prstGeom prst="rect">
+            <a:avLst/>
+          </a:prstGeom>
+        </p:spPr>
         <p:txBody>
           <a:bodyPr/>
           <a:lstStyle/>
@@ -439,7 +455,15 @@
             <p:ph type="sldNum" sz="quarter" idx="12"/>
           </p:nvPr>
         </p:nvSpPr>
-        <p:spPr/>
+        <p:spPr>
+          <a:xfrm>
+            <a:off x="10514011" y="5883275"/>
+            <a:ext cx="753545" cy="365125"/>
+          </a:xfrm>
+          <a:prstGeom prst="rect">
+            <a:avLst/>
+          </a:prstGeom>
+        </p:spPr>
         <p:txBody>
           <a:bodyPr/>
           <a:lstStyle/>
@@ -699,7 +723,15 @@
             <p:ph type="sldNum" sz="quarter" idx="12"/>
           </p:nvPr>
         </p:nvSpPr>
-        <p:spPr/>
+        <p:spPr>
+          <a:xfrm>
+            <a:off x="10514011" y="5883275"/>
+            <a:ext cx="753545" cy="365125"/>
+          </a:xfrm>
+          <a:prstGeom prst="rect">
+            <a:avLst/>
+          </a:prstGeom>
+        </p:spPr>
         <p:txBody>
           <a:bodyPr/>
           <a:lstStyle/>
@@ -867,54 +899,6 @@
             </a:lvl1pPr>
           </a:lstStyle>
           <a:p>
-            <a:endParaRPr lang="ru-RU"/>
-          </a:p>
-        </p:txBody>
-      </p:sp>
-      <p:sp>
-        <p:nvSpPr>
-          <p:cNvPr id="6" name="Slide Number Placeholder 5"/>
-          <p:cNvSpPr>
-            <a:spLocks noGrp="1"/>
-          </p:cNvSpPr>
-          <p:nvPr>
-            <p:ph type="sldNum" sz="quarter" idx="4"/>
-          </p:nvPr>
-        </p:nvSpPr>
-        <p:spPr>
-          <a:xfrm>
-            <a:off x="10514011" y="5883275"/>
-            <a:ext cx="753545" cy="365125"/>
-          </a:xfrm>
-          <a:prstGeom prst="rect">
-            <a:avLst/>
-          </a:prstGeom>
-        </p:spPr>
-        <p:txBody>
-          <a:bodyPr vert="horz" lIns="91440" tIns="45720" rIns="91440" bIns="45720" rtlCol="0" anchor="ctr"/>
-          <a:lstStyle>
-            <a:lvl1pPr algn="r">
-              <a:defRPr sz="1000">
-                <a:solidFill>
-                  <a:schemeClr val="tx1">
-                    <a:lumMod val="95000"/>
-                  </a:schemeClr>
-                </a:solidFill>
-                <a:effectLst>
-                  <a:outerShdw blurRad="50800" dist="38100" dir="2700000" algn="tl" rotWithShape="0">
-                    <a:schemeClr val="bg1">
-                      <a:alpha val="43000"/>
-                    </a:schemeClr>
-                  </a:outerShdw>
-                </a:effectLst>
-              </a:defRPr>
-            </a:lvl1pPr>
-          </a:lstStyle>
-          <a:p>
-            <a:fld id="{B9C2189D-06F5-4D9A-9596-3A137646F02E}" type="slidenum">
-              <a:rPr lang="ru-RU" smtClean="0"/>
-              <a:t>‹#›</a:t>
-            </a:fld>
             <a:endParaRPr lang="ru-RU"/>
           </a:p>
         </p:txBody>
